--- a/Analysis of 2019 Stack Overflow Developer Survey.pptx
+++ b/Analysis of 2019 Stack Overflow Developer Survey.pptx
@@ -1958,7 +1958,7 @@
           <a:p>
             <a:fld id="{9E497948-54D2-43F8-9A63-A99FE3051738}" type="datetimeFigureOut">
               <a:rPr lang="en-US" smtClean="0"/>
-              <a:t>4/21/2022</a:t>
+              <a:t>4/26/2022</a:t>
             </a:fld>
             <a:endParaRPr lang="en-US" dirty="0"/>
           </a:p>
@@ -9464,40 +9464,31 @@
           </a:p>
           <a:p>
             <a:r>
+              <a:rPr lang="en-US" sz="2200" b="1" dirty="0"/>
+              <a:t>Current Technology Usage </a:t>
+            </a:r>
+            <a:r>
               <a:rPr lang="en-US" sz="2200" dirty="0"/>
-              <a:t>Analyzing the dataset give insights to the following:</a:t>
-            </a:r>
-          </a:p>
-          <a:p>
-            <a:pPr lvl="1"/>
-            <a:r>
-              <a:rPr lang="en-US" sz="1800" b="1" dirty="0"/>
-              <a:t>Current Technology Usage </a:t>
-            </a:r>
-            <a:r>
-              <a:rPr lang="en-US" sz="1800" dirty="0"/>
               <a:t>( e.g., popular language, database, platform or web frame among developers)</a:t>
             </a:r>
           </a:p>
           <a:p>
-            <a:pPr lvl="1"/>
-            <a:r>
-              <a:rPr lang="en-US" sz="1800" b="1" dirty="0"/>
+            <a:r>
+              <a:rPr lang="en-US" sz="2200" b="1" dirty="0"/>
               <a:t>Future Technology Trend </a:t>
             </a:r>
             <a:r>
-              <a:rPr lang="en-US" sz="1800" dirty="0"/>
+              <a:rPr lang="en-US" sz="2200" dirty="0"/>
               <a:t>( e.g., most language, database, platform or web frame that developers want to work in over the next year)</a:t>
             </a:r>
           </a:p>
           <a:p>
-            <a:pPr lvl="1"/>
-            <a:r>
-              <a:rPr lang="en-US" sz="1800" b="1" dirty="0"/>
+            <a:r>
+              <a:rPr lang="en-US" sz="2200" b="1" dirty="0"/>
               <a:t>Demographics</a:t>
             </a:r>
             <a:r>
-              <a:rPr lang="en-US" sz="1800" dirty="0"/>
+              <a:rPr lang="en-US" sz="2200" dirty="0"/>
               <a:t> ( e.g., gender gap among developers, age groups of developers)</a:t>
             </a:r>
           </a:p>
@@ -9651,8 +9642,8 @@
         </p:nvSpPr>
         <p:spPr>
           <a:xfrm>
-            <a:off x="4285075" y="1825625"/>
-            <a:ext cx="7068725" cy="4351338"/>
+            <a:off x="4285075" y="1690688"/>
+            <a:ext cx="7068725" cy="4672013"/>
           </a:xfrm>
           <a:prstGeom prst="rect">
             <a:avLst/>
@@ -9660,7 +9651,7 @@
         </p:spPr>
         <p:txBody>
           <a:bodyPr vert="horz" lIns="91440" tIns="45720" rIns="91440" bIns="45720" rtlCol="0">
-            <a:normAutofit/>
+            <a:normAutofit lnSpcReduction="10000"/>
           </a:bodyPr>
           <a:lstStyle>
             <a:lvl1pPr marL="228600" indent="-228600" algn="l" defTabSz="914400" rtl="0" eaLnBrk="1" latinLnBrk="0" hangingPunct="1">
@@ -9862,6 +9853,12 @@
             <a:r>
               <a:rPr lang="en-US" sz="1800" dirty="0"/>
               <a:t>What are the top database skills in demand?</a:t>
+            </a:r>
+          </a:p>
+          <a:p>
+            <a:r>
+              <a:rPr lang="en-US" sz="2200" dirty="0"/>
+              <a:t>These findings will help HR Professionals in identifying which future skills are needed in the organization and help developers in deciding which skills to pursue.</a:t>
             </a:r>
           </a:p>
         </p:txBody>
@@ -11829,12 +11826,6 @@
 </file>
 
 <file path=customXml/item1.xml><?xml version="1.0" encoding="utf-8"?>
-<p:properties xmlns:p="http://schemas.microsoft.com/office/2006/metadata/properties" xmlns:xsi="http://www.w3.org/2001/XMLSchema-instance" xmlns:pc="http://schemas.microsoft.com/office/infopath/2007/PartnerControls">
-  <documentManagement/>
-</p:properties>
-</file>
-
-<file path=customXml/item2.xml><?xml version="1.0" encoding="utf-8"?>
 <?mso-contentType ?>
 <FormTemplates xmlns="http://schemas.microsoft.com/sharepoint/v3/contenttype/forms">
   <Display>DocumentLibraryForm</Display>
@@ -11843,7 +11834,7 @@
 </FormTemplates>
 </file>
 
-<file path=customXml/item3.xml><?xml version="1.0" encoding="utf-8"?>
+<file path=customXml/item2.xml><?xml version="1.0" encoding="utf-8"?>
 <ct:contentTypeSchema xmlns:ct="http://schemas.microsoft.com/office/2006/metadata/contentType" xmlns:ma="http://schemas.microsoft.com/office/2006/metadata/properties/metaAttributes" ct:_="" ma:_="" ma:contentTypeName="Document" ma:contentTypeID="0x010100EECD86F56755A646AC8AFCBCBD967F21" ma:contentTypeVersion="11" ma:contentTypeDescription="Create a new document." ma:contentTypeScope="" ma:versionID="4bc1015ece1c23b1ef2f55a62f11494f">
   <xsd:schema xmlns:xsd="http://www.w3.org/2001/XMLSchema" xmlns:xs="http://www.w3.org/2001/XMLSchema" xmlns:p="http://schemas.microsoft.com/office/2006/metadata/properties" xmlns:ns2="155be751-a274-42e8-93fb-f39d3b9bccc8" xmlns:ns3="f80a141d-92ca-4d3d-9308-f7e7b1d44ce8" targetNamespace="http://schemas.microsoft.com/office/2006/metadata/properties" ma:root="true" ma:fieldsID="efbf6837a43ed91190e40f849f23a130" ns2:_="" ns3:_="">
     <xsd:import namespace="155be751-a274-42e8-93fb-f39d3b9bccc8"/>
@@ -12054,16 +12045,13 @@
 </ct:contentTypeSchema>
 </file>
 
-<file path=customXml/itemProps1.xml><?xml version="1.0" encoding="utf-8"?>
-<ds:datastoreItem xmlns:ds="http://schemas.openxmlformats.org/officeDocument/2006/customXml" ds:itemID="{54DA07C5-A406-4A0D-B3E6-3856C94AC7F3}">
-  <ds:schemaRefs>
-    <ds:schemaRef ds:uri="http://schemas.microsoft.com/office/2006/metadata/properties"/>
-    <ds:schemaRef ds:uri="http://schemas.microsoft.com/office/infopath/2007/PartnerControls"/>
-  </ds:schemaRefs>
-</ds:datastoreItem>
+<file path=customXml/item3.xml><?xml version="1.0" encoding="utf-8"?>
+<p:properties xmlns:p="http://schemas.microsoft.com/office/2006/metadata/properties" xmlns:xsi="http://www.w3.org/2001/XMLSchema-instance" xmlns:pc="http://schemas.microsoft.com/office/infopath/2007/PartnerControls">
+  <documentManagement/>
+</p:properties>
 </file>
 
-<file path=customXml/itemProps2.xml><?xml version="1.0" encoding="utf-8"?>
+<file path=customXml/itemProps1.xml><?xml version="1.0" encoding="utf-8"?>
 <ds:datastoreItem xmlns:ds="http://schemas.openxmlformats.org/officeDocument/2006/customXml" ds:itemID="{7EFDA260-DDA0-422C-B7AE-778F653FBB36}">
   <ds:schemaRefs>
     <ds:schemaRef ds:uri="http://schemas.microsoft.com/sharepoint/v3/contenttype/forms"/>
@@ -12071,7 +12059,7 @@
 </ds:datastoreItem>
 </file>
 
-<file path=customXml/itemProps3.xml><?xml version="1.0" encoding="utf-8"?>
+<file path=customXml/itemProps2.xml><?xml version="1.0" encoding="utf-8"?>
 <ds:datastoreItem xmlns:ds="http://schemas.openxmlformats.org/officeDocument/2006/customXml" ds:itemID="{887AE8FE-83F0-42D0-BB5E-14AD3FB1DE17}">
   <ds:schemaRefs>
     <ds:schemaRef ds:uri="http://schemas.microsoft.com/office/2006/metadata/contentType"/>
@@ -12088,4 +12076,13 @@
     <ds:schemaRef ds:uri="http://schemas.microsoft.com/internal/obd"/>
   </ds:schemaRefs>
 </ds:datastoreItem>
+</file>
+
+<file path=customXml/itemProps3.xml><?xml version="1.0" encoding="utf-8"?>
+<ds:datastoreItem xmlns:ds="http://schemas.openxmlformats.org/officeDocument/2006/customXml" ds:itemID="{54DA07C5-A406-4A0D-B3E6-3856C94AC7F3}">
+  <ds:schemaRefs>
+    <ds:schemaRef ds:uri="http://schemas.microsoft.com/office/2006/metadata/properties"/>
+    <ds:schemaRef ds:uri="http://schemas.microsoft.com/office/infopath/2007/PartnerControls"/>
+  </ds:schemaRefs>
+</ds:datastoreItem>
 </file>